--- a/CV.pptx
+++ b/CV.pptx
@@ -243,7 +243,7 @@
           <a:p>
             <a:fld id="{506CBEED-4DA0-41ED-A06E-429AD2B2724D}" type="datetimeFigureOut">
               <a:rPr lang="en-US" smtClean="0"/>
-              <a:t>6/30/2022</a:t>
+              <a:t>7/1/2022</a:t>
             </a:fld>
             <a:endParaRPr lang="en-US"/>
           </a:p>
@@ -413,7 +413,7 @@
           <a:p>
             <a:fld id="{506CBEED-4DA0-41ED-A06E-429AD2B2724D}" type="datetimeFigureOut">
               <a:rPr lang="en-US" smtClean="0"/>
-              <a:t>6/30/2022</a:t>
+              <a:t>7/1/2022</a:t>
             </a:fld>
             <a:endParaRPr lang="en-US"/>
           </a:p>
@@ -593,7 +593,7 @@
           <a:p>
             <a:fld id="{506CBEED-4DA0-41ED-A06E-429AD2B2724D}" type="datetimeFigureOut">
               <a:rPr lang="en-US" smtClean="0"/>
-              <a:t>6/30/2022</a:t>
+              <a:t>7/1/2022</a:t>
             </a:fld>
             <a:endParaRPr lang="en-US"/>
           </a:p>
@@ -763,7 +763,7 @@
           <a:p>
             <a:fld id="{506CBEED-4DA0-41ED-A06E-429AD2B2724D}" type="datetimeFigureOut">
               <a:rPr lang="en-US" smtClean="0"/>
-              <a:t>6/30/2022</a:t>
+              <a:t>7/1/2022</a:t>
             </a:fld>
             <a:endParaRPr lang="en-US"/>
           </a:p>
@@ -1007,7 +1007,7 @@
           <a:p>
             <a:fld id="{506CBEED-4DA0-41ED-A06E-429AD2B2724D}" type="datetimeFigureOut">
               <a:rPr lang="en-US" smtClean="0"/>
-              <a:t>6/30/2022</a:t>
+              <a:t>7/1/2022</a:t>
             </a:fld>
             <a:endParaRPr lang="en-US"/>
           </a:p>
@@ -1239,7 +1239,7 @@
           <a:p>
             <a:fld id="{506CBEED-4DA0-41ED-A06E-429AD2B2724D}" type="datetimeFigureOut">
               <a:rPr lang="en-US" smtClean="0"/>
-              <a:t>6/30/2022</a:t>
+              <a:t>7/1/2022</a:t>
             </a:fld>
             <a:endParaRPr lang="en-US"/>
           </a:p>
@@ -1606,7 +1606,7 @@
           <a:p>
             <a:fld id="{506CBEED-4DA0-41ED-A06E-429AD2B2724D}" type="datetimeFigureOut">
               <a:rPr lang="en-US" smtClean="0"/>
-              <a:t>6/30/2022</a:t>
+              <a:t>7/1/2022</a:t>
             </a:fld>
             <a:endParaRPr lang="en-US"/>
           </a:p>
@@ -1724,7 +1724,7 @@
           <a:p>
             <a:fld id="{506CBEED-4DA0-41ED-A06E-429AD2B2724D}" type="datetimeFigureOut">
               <a:rPr lang="en-US" smtClean="0"/>
-              <a:t>6/30/2022</a:t>
+              <a:t>7/1/2022</a:t>
             </a:fld>
             <a:endParaRPr lang="en-US"/>
           </a:p>
@@ -1819,7 +1819,7 @@
           <a:p>
             <a:fld id="{506CBEED-4DA0-41ED-A06E-429AD2B2724D}" type="datetimeFigureOut">
               <a:rPr lang="en-US" smtClean="0"/>
-              <a:t>6/30/2022</a:t>
+              <a:t>7/1/2022</a:t>
             </a:fld>
             <a:endParaRPr lang="en-US"/>
           </a:p>
@@ -2096,7 +2096,7 @@
           <a:p>
             <a:fld id="{506CBEED-4DA0-41ED-A06E-429AD2B2724D}" type="datetimeFigureOut">
               <a:rPr lang="en-US" smtClean="0"/>
-              <a:t>6/30/2022</a:t>
+              <a:t>7/1/2022</a:t>
             </a:fld>
             <a:endParaRPr lang="en-US"/>
           </a:p>
@@ -2353,7 +2353,7 @@
           <a:p>
             <a:fld id="{506CBEED-4DA0-41ED-A06E-429AD2B2724D}" type="datetimeFigureOut">
               <a:rPr lang="en-US" smtClean="0"/>
-              <a:t>6/30/2022</a:t>
+              <a:t>7/1/2022</a:t>
             </a:fld>
             <a:endParaRPr lang="en-US"/>
           </a:p>
@@ -2566,7 +2566,7 @@
           <a:p>
             <a:fld id="{506CBEED-4DA0-41ED-A06E-429AD2B2724D}" type="datetimeFigureOut">
               <a:rPr lang="en-US" smtClean="0"/>
-              <a:t>6/30/2022</a:t>
+              <a:t>7/1/2022</a:t>
             </a:fld>
             <a:endParaRPr lang="en-US"/>
           </a:p>
@@ -3215,14 +3215,14 @@
             <a:r>
               <a:rPr lang="en-US" sz="3600" dirty="0" smtClean="0">
                 <a:solidFill>
-                  <a:srgbClr val="FF0000"/>
+                  <a:srgbClr val="0070C0"/>
                 </a:solidFill>
               </a:rPr>
               <a:t>SUMAIYA TASNIM</a:t>
             </a:r>
             <a:endParaRPr lang="en-US" sz="3600" dirty="0">
               <a:solidFill>
-                <a:srgbClr val="FF0000"/>
+                <a:srgbClr val="0070C0"/>
               </a:solidFill>
             </a:endParaRPr>
           </a:p>
@@ -3869,7 +3869,7 @@
               <a:t> Rahman Women’s College, </a:t>
             </a:r>
             <a:r>
-              <a:rPr lang="en-US" smtClean="0">
+              <a:rPr lang="en-US" dirty="0" err="1" smtClean="0">
                 <a:solidFill>
                   <a:schemeClr val="accent1">
                     <a:lumMod val="75000"/>
